--- a/presentations/06_Hata_Matrisi_Yorumlama+.pptx
+++ b/presentations/06_Hata_Matrisi_Yorumlama+.pptx
@@ -702,7 +702,7 @@
           <a:p>
             <a:fld id="{6F77F576-AE14-466D-AA6B-335273622B21}" type="datetimeFigureOut">
               <a:rPr lang="en-US" smtClean="0"/>
-              <a:t>3/30/2019</a:t>
+              <a:t>5/31/2019</a:t>
             </a:fld>
             <a:endParaRPr lang="en-US"/>
           </a:p>
@@ -1101,7 +1101,7 @@
           <a:p>
             <a:fld id="{54AA066D-271F-4C1A-B89A-0705A7689EE9}" type="datetimeFigureOut">
               <a:rPr lang="en-US" smtClean="0"/>
-              <a:t>3/30/2019</a:t>
+              <a:t>5/31/2019</a:t>
             </a:fld>
             <a:endParaRPr lang="en-US"/>
           </a:p>
@@ -1271,7 +1271,7 @@
           <a:p>
             <a:fld id="{54AA066D-271F-4C1A-B89A-0705A7689EE9}" type="datetimeFigureOut">
               <a:rPr lang="en-US" smtClean="0"/>
-              <a:t>3/30/2019</a:t>
+              <a:t>5/31/2019</a:t>
             </a:fld>
             <a:endParaRPr lang="en-US"/>
           </a:p>
@@ -1451,7 +1451,7 @@
           <a:p>
             <a:fld id="{54AA066D-271F-4C1A-B89A-0705A7689EE9}" type="datetimeFigureOut">
               <a:rPr lang="en-US" smtClean="0"/>
-              <a:t>3/30/2019</a:t>
+              <a:t>5/31/2019</a:t>
             </a:fld>
             <a:endParaRPr lang="en-US"/>
           </a:p>
@@ -1621,7 +1621,7 @@
           <a:p>
             <a:fld id="{54AA066D-271F-4C1A-B89A-0705A7689EE9}" type="datetimeFigureOut">
               <a:rPr lang="en-US" smtClean="0"/>
-              <a:t>3/30/2019</a:t>
+              <a:t>5/31/2019</a:t>
             </a:fld>
             <a:endParaRPr lang="en-US"/>
           </a:p>
@@ -1867,7 +1867,7 @@
           <a:p>
             <a:fld id="{54AA066D-271F-4C1A-B89A-0705A7689EE9}" type="datetimeFigureOut">
               <a:rPr lang="en-US" smtClean="0"/>
-              <a:t>3/30/2019</a:t>
+              <a:t>5/31/2019</a:t>
             </a:fld>
             <a:endParaRPr lang="en-US"/>
           </a:p>
@@ -2099,7 +2099,7 @@
           <a:p>
             <a:fld id="{54AA066D-271F-4C1A-B89A-0705A7689EE9}" type="datetimeFigureOut">
               <a:rPr lang="en-US" smtClean="0"/>
-              <a:t>3/30/2019</a:t>
+              <a:t>5/31/2019</a:t>
             </a:fld>
             <a:endParaRPr lang="en-US"/>
           </a:p>
@@ -2466,7 +2466,7 @@
           <a:p>
             <a:fld id="{54AA066D-271F-4C1A-B89A-0705A7689EE9}" type="datetimeFigureOut">
               <a:rPr lang="en-US" smtClean="0"/>
-              <a:t>3/30/2019</a:t>
+              <a:t>5/31/2019</a:t>
             </a:fld>
             <a:endParaRPr lang="en-US"/>
           </a:p>
@@ -2584,7 +2584,7 @@
           <a:p>
             <a:fld id="{54AA066D-271F-4C1A-B89A-0705A7689EE9}" type="datetimeFigureOut">
               <a:rPr lang="en-US" smtClean="0"/>
-              <a:t>3/30/2019</a:t>
+              <a:t>5/31/2019</a:t>
             </a:fld>
             <a:endParaRPr lang="en-US"/>
           </a:p>
@@ -2679,7 +2679,7 @@
           <a:p>
             <a:fld id="{54AA066D-271F-4C1A-B89A-0705A7689EE9}" type="datetimeFigureOut">
               <a:rPr lang="en-US" smtClean="0"/>
-              <a:t>3/30/2019</a:t>
+              <a:t>5/31/2019</a:t>
             </a:fld>
             <a:endParaRPr lang="en-US"/>
           </a:p>
@@ -2956,7 +2956,7 @@
           <a:p>
             <a:fld id="{54AA066D-271F-4C1A-B89A-0705A7689EE9}" type="datetimeFigureOut">
               <a:rPr lang="en-US" smtClean="0"/>
-              <a:t>3/30/2019</a:t>
+              <a:t>5/31/2019</a:t>
             </a:fld>
             <a:endParaRPr lang="en-US"/>
           </a:p>
@@ -3209,7 +3209,7 @@
           <a:p>
             <a:fld id="{54AA066D-271F-4C1A-B89A-0705A7689EE9}" type="datetimeFigureOut">
               <a:rPr lang="en-US" smtClean="0"/>
-              <a:t>3/30/2019</a:t>
+              <a:t>5/31/2019</a:t>
             </a:fld>
             <a:endParaRPr lang="en-US"/>
           </a:p>
@@ -3422,7 +3422,7 @@
           <a:p>
             <a:fld id="{54AA066D-271F-4C1A-B89A-0705A7689EE9}" type="datetimeFigureOut">
               <a:rPr lang="en-US" smtClean="0"/>
-              <a:t>3/30/2019</a:t>
+              <a:t>5/31/2019</a:t>
             </a:fld>
             <a:endParaRPr lang="en-US"/>
           </a:p>
@@ -3876,8 +3876,8 @@
         </p:nvSpPr>
         <p:spPr>
           <a:xfrm>
-            <a:off x="857314" y="1409700"/>
-            <a:ext cx="9842500" cy="2425700"/>
+            <a:off x="1033160" y="2461847"/>
+            <a:ext cx="9842500" cy="1619737"/>
           </a:xfrm>
         </p:spPr>
         <p:txBody>
@@ -3895,7 +3895,7 @@
                 <a:ea typeface="Verdana" panose="020B0604030504040204" pitchFamily="34" charset="0"/>
                 <a:cs typeface="Arial" panose="020B0604020202020204" pitchFamily="34" charset="0"/>
               </a:rPr>
-              <a:t>Hata Matrisi </a:t>
+              <a:t>Hata/Karmaşıklık Matrisi </a:t>
             </a:r>
             <a:br>
               <a:rPr lang="tr-TR" sz="4800" b="1" dirty="0">
@@ -3916,62 +3916,8 @@
                 <a:ea typeface="Verdana" panose="020B0604030504040204" pitchFamily="34" charset="0"/>
                 <a:cs typeface="Arial" panose="020B0604020202020204" pitchFamily="34" charset="0"/>
               </a:rPr>
-              <a:t>(</a:t>
+              <a:t>(Confusion Matrix)</a:t>
             </a:r>
-            <a:r>
-              <a:rPr lang="tr-TR" sz="4800" b="1" dirty="0" err="1">
-                <a:solidFill>
-                  <a:srgbClr val="CD1F26"/>
-                </a:solidFill>
-                <a:latin typeface="Arial" panose="020B0604020202020204" pitchFamily="34" charset="0"/>
-                <a:ea typeface="Verdana" panose="020B0604030504040204" pitchFamily="34" charset="0"/>
-                <a:cs typeface="Arial" panose="020B0604020202020204" pitchFamily="34" charset="0"/>
-              </a:rPr>
-              <a:t>Confusion</a:t>
-            </a:r>
-            <a:r>
-              <a:rPr lang="tr-TR" sz="4800" b="1" dirty="0">
-                <a:solidFill>
-                  <a:srgbClr val="CD1F26"/>
-                </a:solidFill>
-                <a:latin typeface="Arial" panose="020B0604020202020204" pitchFamily="34" charset="0"/>
-                <a:ea typeface="Verdana" panose="020B0604030504040204" pitchFamily="34" charset="0"/>
-                <a:cs typeface="Arial" panose="020B0604020202020204" pitchFamily="34" charset="0"/>
-              </a:rPr>
-              <a:t> </a:t>
-            </a:r>
-            <a:r>
-              <a:rPr lang="tr-TR" sz="4800" b="1" dirty="0" err="1">
-                <a:solidFill>
-                  <a:srgbClr val="CD1F26"/>
-                </a:solidFill>
-                <a:latin typeface="Arial" panose="020B0604020202020204" pitchFamily="34" charset="0"/>
-                <a:ea typeface="Verdana" panose="020B0604030504040204" pitchFamily="34" charset="0"/>
-                <a:cs typeface="Arial" panose="020B0604020202020204" pitchFamily="34" charset="0"/>
-              </a:rPr>
-              <a:t>Matrix</a:t>
-            </a:r>
-            <a:r>
-              <a:rPr lang="tr-TR" sz="4800" b="1" dirty="0">
-                <a:solidFill>
-                  <a:srgbClr val="CD1F26"/>
-                </a:solidFill>
-                <a:latin typeface="Arial" panose="020B0604020202020204" pitchFamily="34" charset="0"/>
-                <a:ea typeface="Verdana" panose="020B0604030504040204" pitchFamily="34" charset="0"/>
-                <a:cs typeface="Arial" panose="020B0604020202020204" pitchFamily="34" charset="0"/>
-              </a:rPr>
-              <a:t>)</a:t>
-            </a:r>
-            <a:br>
-              <a:rPr lang="tr-TR" sz="4800" b="1" dirty="0">
-                <a:solidFill>
-                  <a:srgbClr val="CD1F26"/>
-                </a:solidFill>
-                <a:latin typeface="Arial" panose="020B0604020202020204" pitchFamily="34" charset="0"/>
-                <a:ea typeface="Verdana" panose="020B0604030504040204" pitchFamily="34" charset="0"/>
-                <a:cs typeface="Arial" panose="020B0604020202020204" pitchFamily="34" charset="0"/>
-              </a:rPr>
-            </a:br>
             <a:endParaRPr lang="en-US" sz="4800" b="1" dirty="0">
               <a:solidFill>
                 <a:srgbClr val="CD1F26"/>
